--- a/新竹交通AI機器人.pptx
+++ b/新竹交通AI機器人.pptx
@@ -6959,7 +6959,7 @@
         </p:nvSpPr>
         <p:spPr>
           <a:xfrm>
-            <a:off x="1400176" y="2358621"/>
+            <a:off x="1835604" y="2630764"/>
             <a:ext cx="6885604" cy="1212640"/>
           </a:xfrm>
           <a:prstGeom prst="rect">
@@ -6977,6 +6977,28 @@
           <a:p>
             <a:pPr algn="ctr"/>
             <a:r>
+              <a:rPr lang="zh-TW" altLang="en-US" sz="4400" b="1" smtClean="0">
+                <a:solidFill>
+                  <a:srgbClr val="FF9933"/>
+                </a:solidFill>
+                <a:latin typeface="Arial" panose="020B0604020202020204" pitchFamily="34" charset="0"/>
+                <a:ea typeface="微軟正黑體" panose="020B0604030504040204" pitchFamily="34" charset="-120"/>
+                <a:cs typeface="Arial" panose="020B0604020202020204" pitchFamily="34" charset="0"/>
+              </a:rPr>
+              <a:t>新竹 </a:t>
+            </a:r>
+            <a:r>
+              <a:rPr lang="en-US" altLang="zh-TW" sz="4400" b="1" smtClean="0">
+                <a:solidFill>
+                  <a:srgbClr val="FF9933"/>
+                </a:solidFill>
+                <a:latin typeface="Arial" panose="020B0604020202020204" pitchFamily="34" charset="0"/>
+                <a:ea typeface="微軟正黑體" panose="020B0604030504040204" pitchFamily="34" charset="-120"/>
+                <a:cs typeface="Arial" panose="020B0604020202020204" pitchFamily="34" charset="0"/>
+              </a:rPr>
+              <a:t>AI </a:t>
+            </a:r>
+            <a:r>
               <a:rPr lang="zh-TW" altLang="en-US" sz="4400" b="1" dirty="0" smtClean="0">
                 <a:solidFill>
                   <a:srgbClr val="FF9933"/>
@@ -6985,29 +7007,7 @@
                 <a:ea typeface="微軟正黑體" panose="020B0604030504040204" pitchFamily="34" charset="-120"/>
                 <a:cs typeface="Arial" panose="020B0604020202020204" pitchFamily="34" charset="0"/>
               </a:rPr>
-              <a:t>新竹</a:t>
-            </a:r>
-            <a:r>
-              <a:rPr lang="en-US" altLang="zh-TW" sz="4400" b="1" dirty="0" smtClean="0">
-                <a:solidFill>
-                  <a:srgbClr val="FF9933"/>
-                </a:solidFill>
-                <a:latin typeface="Arial" panose="020B0604020202020204" pitchFamily="34" charset="0"/>
-                <a:ea typeface="微軟正黑體" panose="020B0604030504040204" pitchFamily="34" charset="-120"/>
-                <a:cs typeface="Arial" panose="020B0604020202020204" pitchFamily="34" charset="0"/>
-              </a:rPr>
-              <a:t>AI </a:t>
-            </a:r>
-            <a:r>
-              <a:rPr lang="zh-TW" altLang="en-US" sz="4400" b="1" dirty="0" smtClean="0">
-                <a:solidFill>
-                  <a:srgbClr val="FF9933"/>
-                </a:solidFill>
-                <a:latin typeface="Arial" panose="020B0604020202020204" pitchFamily="34" charset="0"/>
-                <a:ea typeface="微軟正黑體" panose="020B0604030504040204" pitchFamily="34" charset="-120"/>
-                <a:cs typeface="Arial" panose="020B0604020202020204" pitchFamily="34" charset="0"/>
-              </a:rPr>
-              <a:t>交通機器人</a:t>
+              <a:t>機器人</a:t>
             </a:r>
             <a:endParaRPr lang="en-US" altLang="zh-TW" sz="4400" b="1" dirty="0">
               <a:solidFill>
@@ -7040,7 +7040,29 @@
                 <a:ea typeface="微軟正黑體" pitchFamily="34" charset="-120"/>
                 <a:cs typeface="Arial" pitchFamily="34" charset="0"/>
               </a:rPr>
-              <a:t>Hsinchu Traffic Artificial Intelligence </a:t>
+              <a:t>Hsinchu </a:t>
+            </a:r>
+            <a:r>
+              <a:rPr lang="en-US" altLang="zh-TW" b="1" dirty="0" smtClean="0">
+                <a:solidFill>
+                  <a:schemeClr val="tx2"/>
+                </a:solidFill>
+                <a:latin typeface="Arial" pitchFamily="34" charset="0"/>
+                <a:ea typeface="微軟正黑體" pitchFamily="34" charset="-120"/>
+                <a:cs typeface="Arial" pitchFamily="34" charset="0"/>
+              </a:rPr>
+              <a:t>Artificial </a:t>
+            </a:r>
+            <a:r>
+              <a:rPr lang="en-US" altLang="zh-TW" b="1" dirty="0">
+                <a:solidFill>
+                  <a:schemeClr val="tx2"/>
+                </a:solidFill>
+                <a:latin typeface="Arial" pitchFamily="34" charset="0"/>
+                <a:ea typeface="微軟正黑體" pitchFamily="34" charset="-120"/>
+                <a:cs typeface="Arial" pitchFamily="34" charset="0"/>
+              </a:rPr>
+              <a:t>Intelligence </a:t>
             </a:r>
             <a:r>
               <a:rPr lang="en-US" altLang="zh-TW" b="1" dirty="0" smtClean="0">
@@ -7072,8 +7094,8 @@
         </p:nvSpPr>
         <p:spPr>
           <a:xfrm>
-            <a:off x="6043613" y="4471988"/>
-            <a:ext cx="3360738" cy="1348061"/>
+            <a:off x="5747657" y="4765902"/>
+            <a:ext cx="3776437" cy="1348061"/>
           </a:xfrm>
           <a:prstGeom prst="rect">
             <a:avLst/>
@@ -7086,6 +7108,7 @@
           </a:bodyPr>
           <a:lstStyle/>
           <a:p>
+            <a:pPr algn="r"/>
             <a:r>
               <a:rPr lang="en-US" altLang="zh-TW" b="1" dirty="0" smtClean="0">
                 <a:solidFill>
@@ -7094,7 +7117,7 @@
                 <a:latin typeface="標楷體" panose="03000509000000000000" pitchFamily="65" charset="-120"/>
                 <a:ea typeface="標楷體" panose="03000509000000000000" pitchFamily="65" charset="-120"/>
               </a:rPr>
-              <a:t>2017</a:t>
+              <a:t>2017 </a:t>
             </a:r>
             <a:r>
               <a:rPr lang="zh-TW" altLang="en-US" b="1" dirty="0" smtClean="0">
@@ -7104,7 +7127,17 @@
                 <a:latin typeface="標楷體" panose="03000509000000000000" pitchFamily="65" charset="-120"/>
                 <a:ea typeface="標楷體" panose="03000509000000000000" pitchFamily="65" charset="-120"/>
               </a:rPr>
-              <a:t>新竹黑客松</a:t>
+              <a:t>新竹</a:t>
+            </a:r>
+            <a:r>
+              <a:rPr lang="zh-TW" altLang="en-US" b="1" dirty="0" smtClean="0">
+                <a:solidFill>
+                  <a:srgbClr val="FFC000"/>
+                </a:solidFill>
+                <a:latin typeface="標楷體" panose="03000509000000000000" pitchFamily="65" charset="-120"/>
+                <a:ea typeface="標楷體" panose="03000509000000000000" pitchFamily="65" charset="-120"/>
+              </a:rPr>
+              <a:t>黑客松</a:t>
             </a:r>
             <a:r>
               <a:rPr lang="en-US" altLang="zh-TW" b="1" dirty="0" smtClean="0">
@@ -7323,7 +7356,7 @@
         <p:spPr>
           <a:xfrm>
             <a:off x="990601" y="1049869"/>
-            <a:ext cx="7814732" cy="1446550"/>
+            <a:ext cx="7814732" cy="1785104"/>
           </a:xfrm>
           <a:prstGeom prst="rect">
             <a:avLst/>
@@ -7363,7 +7396,29 @@
                 <a:ea typeface="微軟正黑體" pitchFamily="34" charset="-120"/>
                 <a:cs typeface="Arial" pitchFamily="34" charset="0"/>
               </a:rPr>
-              <a:t>「交通</a:t>
+              <a:t>「</a:t>
+            </a:r>
+            <a:r>
+              <a:rPr lang="zh-TW" altLang="en-US" sz="2200" b="1" dirty="0" smtClean="0">
+                <a:solidFill>
+                  <a:srgbClr val="FF0000"/>
+                </a:solidFill>
+                <a:latin typeface="Arial" pitchFamily="34" charset="0"/>
+                <a:ea typeface="微軟正黑體" pitchFamily="34" charset="-120"/>
+                <a:cs typeface="Arial" pitchFamily="34" charset="0"/>
+              </a:rPr>
+              <a:t>新</a:t>
+            </a:r>
+            <a:r>
+              <a:rPr lang="zh-TW" altLang="en-US" sz="2200" b="1" dirty="0">
+                <a:solidFill>
+                  <a:srgbClr val="FF0000"/>
+                </a:solidFill>
+                <a:latin typeface="Arial" pitchFamily="34" charset="0"/>
+                <a:ea typeface="微軟正黑體" pitchFamily="34" charset="-120"/>
+                <a:cs typeface="Arial" pitchFamily="34" charset="0"/>
+              </a:rPr>
+              <a:t>竹</a:t>
             </a:r>
             <a:r>
               <a:rPr lang="en-US" altLang="zh-TW" sz="2200" b="1" dirty="0" smtClean="0">
@@ -7394,6 +7449,40 @@
                 <a:cs typeface="Arial" pitchFamily="34" charset="0"/>
               </a:rPr>
               <a:t>，並應用現行最普及之 通訊軟體 </a:t>
+            </a:r>
+            <a:r>
+              <a:rPr lang="en-US" altLang="zh-TW" sz="2200" b="1" dirty="0" smtClean="0">
+                <a:solidFill>
+                  <a:schemeClr val="accent1">
+                    <a:lumMod val="75000"/>
+                  </a:schemeClr>
+                </a:solidFill>
+                <a:latin typeface="Arial" pitchFamily="34" charset="0"/>
+                <a:ea typeface="微軟正黑體" pitchFamily="34" charset="-120"/>
+                <a:cs typeface="Arial" pitchFamily="34" charset="0"/>
+              </a:rPr>
+              <a:t>FB</a:t>
+            </a:r>
+            <a:r>
+              <a:rPr lang="zh-TW" altLang="en-US" sz="2200" b="1" dirty="0" smtClean="0">
+                <a:solidFill>
+                  <a:schemeClr val="accent1">
+                    <a:lumMod val="75000"/>
+                  </a:schemeClr>
+                </a:solidFill>
+                <a:latin typeface="Arial" pitchFamily="34" charset="0"/>
+                <a:ea typeface="微軟正黑體" pitchFamily="34" charset="-120"/>
+                <a:cs typeface="Arial" pitchFamily="34" charset="0"/>
+              </a:rPr>
+              <a:t>粉絲團 </a:t>
+            </a:r>
+            <a:r>
+              <a:rPr lang="zh-TW" altLang="en-US" sz="2200" dirty="0" smtClean="0">
+                <a:latin typeface="Arial" pitchFamily="34" charset="0"/>
+                <a:ea typeface="微軟正黑體" pitchFamily="34" charset="-120"/>
+                <a:cs typeface="Arial" pitchFamily="34" charset="0"/>
+              </a:rPr>
+              <a:t>或 </a:t>
             </a:r>
             <a:r>
               <a:rPr lang="en-US" altLang="zh-TW" sz="2200" b="1" dirty="0" smtClean="0">
@@ -7520,7 +7609,7 @@
         </p:nvSpPr>
         <p:spPr>
           <a:xfrm>
-            <a:off x="990600" y="2368807"/>
+            <a:off x="990600" y="2913094"/>
             <a:ext cx="5156199" cy="1107996"/>
           </a:xfrm>
           <a:prstGeom prst="rect">
@@ -7603,7 +7692,7 @@
         </p:nvSpPr>
         <p:spPr>
           <a:xfrm>
-            <a:off x="1481666" y="3708396"/>
+            <a:off x="1481666" y="4220022"/>
             <a:ext cx="2963334" cy="1508105"/>
           </a:xfrm>
           <a:prstGeom prst="rect">
@@ -7762,7 +7851,7 @@
         </p:nvGrpSpPr>
         <p:grpSpPr>
           <a:xfrm>
-            <a:off x="6614521" y="2401131"/>
+            <a:off x="6614521" y="2542648"/>
             <a:ext cx="2334745" cy="4038627"/>
             <a:chOff x="5996455" y="2333398"/>
             <a:chExt cx="2334745" cy="4038627"/>
@@ -7997,7 +8086,7 @@
         </p:blipFill>
         <p:spPr>
           <a:xfrm>
-            <a:off x="7291774" y="3720585"/>
+            <a:off x="7461100" y="3230728"/>
             <a:ext cx="2385659" cy="2385659"/>
           </a:xfrm>
           <a:prstGeom prst="rect">
@@ -8027,7 +8116,7 @@
         </p:blipFill>
         <p:spPr>
           <a:xfrm>
-            <a:off x="4896000" y="3355844"/>
+            <a:off x="5065326" y="2865987"/>
             <a:ext cx="1547100" cy="2750400"/>
           </a:xfrm>
           <a:prstGeom prst="rect">
@@ -8043,7 +8132,7 @@
         </p:nvSpPr>
         <p:spPr bwMode="auto">
           <a:xfrm>
-            <a:off x="5490641" y="5787639"/>
+            <a:off x="5659967" y="5297782"/>
             <a:ext cx="364066" cy="249145"/>
           </a:xfrm>
           <a:prstGeom prst="rect">
@@ -8116,7 +8205,7 @@
         </p:blipFill>
         <p:spPr>
           <a:xfrm>
-            <a:off x="4728641" y="2878106"/>
+            <a:off x="4897967" y="2388249"/>
             <a:ext cx="1888066" cy="3316522"/>
           </a:xfrm>
           <a:prstGeom prst="rect">
@@ -8145,7 +8234,7 @@
         </p:blipFill>
         <p:spPr>
           <a:xfrm>
-            <a:off x="679652" y="4163457"/>
+            <a:off x="848978" y="3673600"/>
             <a:ext cx="1712205" cy="1856837"/>
           </a:xfrm>
           <a:prstGeom prst="rect">
@@ -8161,7 +8250,7 @@
         </p:nvGrpSpPr>
         <p:grpSpPr>
           <a:xfrm>
-            <a:off x="6675979" y="3413430"/>
+            <a:off x="6845305" y="2923573"/>
             <a:ext cx="1037128" cy="750027"/>
             <a:chOff x="6642111" y="3548075"/>
             <a:chExt cx="884767" cy="541077"/>
@@ -8245,7 +8334,7 @@
           <p:spPr>
             <a:xfrm>
               <a:off x="6650578" y="3681626"/>
-              <a:ext cx="876300" cy="276999"/>
+              <a:ext cx="876300" cy="333050"/>
             </a:xfrm>
             <a:prstGeom prst="rect">
               <a:avLst/>
@@ -8258,7 +8347,26 @@
             </a:bodyPr>
             <a:lstStyle/>
             <a:p>
-              <a:pPr algn="ctr"/>
+              <a:r>
+                <a:rPr lang="zh-TW" altLang="en-US" sz="1200" dirty="0">
+                  <a:solidFill>
+                    <a:srgbClr val="0000FF"/>
+                  </a:solidFill>
+                  <a:latin typeface="微軟正黑體" pitchFamily="34" charset="-120"/>
+                  <a:ea typeface="微軟正黑體" pitchFamily="34" charset="-120"/>
+                </a:rPr>
+                <a:t>蘇氏節孝</a:t>
+              </a:r>
+              <a:r>
+                <a:rPr lang="zh-TW" altLang="en-US" sz="1200" dirty="0" smtClean="0">
+                  <a:solidFill>
+                    <a:srgbClr val="0000FF"/>
+                  </a:solidFill>
+                  <a:latin typeface="微軟正黑體" pitchFamily="34" charset="-120"/>
+                  <a:ea typeface="微軟正黑體" pitchFamily="34" charset="-120"/>
+                </a:rPr>
+                <a:t>坊</a:t>
+              </a:r>
               <a:r>
                 <a:rPr lang="zh-TW" altLang="en-US" sz="1200" dirty="0" smtClean="0">
                   <a:solidFill>
@@ -8267,11 +8375,21 @@
                   <a:latin typeface="微軟正黑體" pitchFamily="34" charset="-120"/>
                   <a:ea typeface="微軟正黑體" pitchFamily="34" charset="-120"/>
                 </a:rPr>
-                <a:t>生平事蹟</a:t>
+                <a:t>怎麼走</a:t>
+              </a:r>
+              <a:r>
+                <a:rPr lang="en-US" altLang="zh-TW" sz="1200" dirty="0" smtClean="0">
+                  <a:solidFill>
+                    <a:srgbClr val="FF0000"/>
+                  </a:solidFill>
+                  <a:latin typeface="微軟正黑體" pitchFamily="34" charset="-120"/>
+                  <a:ea typeface="微軟正黑體" pitchFamily="34" charset="-120"/>
+                </a:rPr>
+                <a:t>?</a:t>
               </a:r>
               <a:endParaRPr lang="zh-TW" altLang="en-US" sz="1200" dirty="0">
                 <a:solidFill>
-                  <a:srgbClr val="FF0000"/>
+                  <a:srgbClr val="0000FF"/>
                 </a:solidFill>
                 <a:latin typeface="微軟正黑體" pitchFamily="34" charset="-120"/>
                 <a:ea typeface="微軟正黑體" pitchFamily="34" charset="-120"/>
@@ -8288,7 +8406,7 @@
         </p:nvGrpSpPr>
         <p:grpSpPr>
           <a:xfrm>
-            <a:off x="2421488" y="3106577"/>
+            <a:off x="2590814" y="2616720"/>
             <a:ext cx="2082802" cy="1440982"/>
             <a:chOff x="2311417" y="3242733"/>
             <a:chExt cx="2150538" cy="1440982"/>
@@ -8373,7 +8491,7 @@
           <p:spPr>
             <a:xfrm>
               <a:off x="2332588" y="3298720"/>
-              <a:ext cx="2061631" cy="1126462"/>
+              <a:ext cx="2061631" cy="1384995"/>
             </a:xfrm>
             <a:prstGeom prst="rect">
               <a:avLst/>
@@ -8394,7 +8512,7 @@
                   <a:latin typeface="微軟正黑體" pitchFamily="34" charset="-120"/>
                   <a:ea typeface="微軟正黑體" pitchFamily="34" charset="-120"/>
                 </a:rPr>
-                <a:t>您好</a:t>
+                <a:t>請問</a:t>
               </a:r>
               <a:r>
                 <a:rPr lang="zh-TW" altLang="en-US" sz="1200" dirty="0" smtClean="0">
@@ -8404,10 +8522,20 @@
                   <a:latin typeface="微軟正黑體" pitchFamily="34" charset="-120"/>
                   <a:ea typeface="微軟正黑體" pitchFamily="34" charset="-120"/>
                 </a:rPr>
-                <a:t>，請問您是想知道新竹紀念碑坊的哪一項呢</a:t>
+                <a:t>您想</a:t>
               </a:r>
               <a:r>
-                <a:rPr lang="en-US" altLang="zh-TW" sz="1200" dirty="0" smtClean="0">
+                <a:rPr lang="zh-TW" altLang="en-US" sz="1200" dirty="0">
+                  <a:solidFill>
+                    <a:srgbClr val="FF0000"/>
+                  </a:solidFill>
+                  <a:latin typeface="微軟正黑體" pitchFamily="34" charset="-120"/>
+                  <a:ea typeface="微軟正黑體" pitchFamily="34" charset="-120"/>
+                </a:rPr>
+                <a:t>去哪裡</a:t>
+              </a:r>
+              <a:r>
+                <a:rPr lang="en-US" altLang="zh-TW" sz="1200" dirty="0">
                   <a:solidFill>
                     <a:srgbClr val="FF0000"/>
                   </a:solidFill>
@@ -8419,142 +8547,129 @@
             </a:p>
             <a:p>
               <a:r>
-                <a:rPr lang="en-US" altLang="zh-TW" sz="1200" dirty="0" smtClean="0">
-                  <a:solidFill>
-                    <a:srgbClr val="FF0000"/>
-                  </a:solidFill>
-                  <a:latin typeface="Arial" pitchFamily="34" charset="0"/>
-                  <a:ea typeface="微軟正黑體" pitchFamily="34" charset="-120"/>
-                  <a:cs typeface="Arial" pitchFamily="34" charset="0"/>
-                </a:rPr>
-                <a:t>1. </a:t>
-              </a:r>
-              <a:r>
-                <a:rPr lang="zh-TW" altLang="en-US" sz="1200" b="1" dirty="0" smtClean="0">
+                <a:rPr lang="en-US" altLang="zh-TW" sz="1200" dirty="0">
                   <a:solidFill>
                     <a:srgbClr val="0000FF"/>
                   </a:solidFill>
-                  <a:latin typeface="Arial" pitchFamily="34" charset="0"/>
+                  <a:latin typeface="微軟正黑體" pitchFamily="34" charset="-120"/>
                   <a:ea typeface="微軟正黑體" pitchFamily="34" charset="-120"/>
-                  <a:cs typeface="Arial" pitchFamily="34" charset="0"/>
                 </a:rPr>
-                <a:t>生平</a:t>
+                <a:t>1.</a:t>
               </a:r>
               <a:r>
-                <a:rPr lang="zh-TW" altLang="en-US" sz="1200" b="1" dirty="0">
+                <a:rPr lang="zh-TW" altLang="en-US" sz="1200" dirty="0">
                   <a:solidFill>
                     <a:srgbClr val="0000FF"/>
                   </a:solidFill>
-                  <a:latin typeface="Arial" pitchFamily="34" charset="0"/>
+                  <a:latin typeface="微軟正黑體" pitchFamily="34" charset="-120"/>
                   <a:ea typeface="微軟正黑體" pitchFamily="34" charset="-120"/>
-                  <a:cs typeface="Arial" pitchFamily="34" charset="0"/>
                 </a:rPr>
-                <a:t>事蹟</a:t>
+                <a:t>蘇氏節孝坊</a:t>
               </a:r>
+            </a:p>
+            <a:p>
               <a:r>
-                <a:rPr lang="zh-TW" altLang="en-US" sz="1200" b="1" dirty="0" smtClean="0">
+                <a:rPr lang="en-US" altLang="zh-TW" sz="1200" dirty="0">
                   <a:solidFill>
                     <a:srgbClr val="0000FF"/>
                   </a:solidFill>
-                  <a:latin typeface="Arial" pitchFamily="34" charset="0"/>
+                  <a:latin typeface="微軟正黑體" pitchFamily="34" charset="-120"/>
                   <a:ea typeface="微軟正黑體" pitchFamily="34" charset="-120"/>
-                  <a:cs typeface="Arial" pitchFamily="34" charset="0"/>
-                </a:rPr>
-                <a:t>資訊</a:t>
-              </a:r>
-              <a:endParaRPr lang="en-US" altLang="zh-TW" sz="1200" dirty="0" smtClean="0">
-                <a:solidFill>
-                  <a:srgbClr val="FF0000"/>
-                </a:solidFill>
-                <a:latin typeface="Arial" pitchFamily="34" charset="0"/>
-                <a:ea typeface="微軟正黑體" pitchFamily="34" charset="-120"/>
-                <a:cs typeface="Arial" pitchFamily="34" charset="0"/>
-              </a:endParaRPr>
-            </a:p>
-            <a:p>
-              <a:r>
-                <a:rPr lang="en-US" altLang="zh-TW" sz="1200" dirty="0" smtClean="0">
-                  <a:solidFill>
-                    <a:srgbClr val="FF0000"/>
-                  </a:solidFill>
-                  <a:latin typeface="Arial" pitchFamily="34" charset="0"/>
-                  <a:ea typeface="微軟正黑體" pitchFamily="34" charset="-120"/>
-                  <a:cs typeface="Arial" pitchFamily="34" charset="0"/>
                 </a:rPr>
                 <a:t>2.</a:t>
               </a:r>
               <a:r>
-                <a:rPr lang="zh-TW" altLang="en-US" sz="1200" dirty="0" smtClean="0">
-                  <a:solidFill>
-                    <a:srgbClr val="FF0000"/>
-                  </a:solidFill>
-                  <a:latin typeface="Arial" pitchFamily="34" charset="0"/>
-                  <a:ea typeface="微軟正黑體" pitchFamily="34" charset="-120"/>
-                  <a:cs typeface="Arial" pitchFamily="34" charset="0"/>
-                </a:rPr>
-                <a:t> </a:t>
-              </a:r>
-              <a:r>
-                <a:rPr lang="zh-TW" altLang="en-US" sz="1200" b="1" dirty="0" smtClean="0">
+                <a:rPr lang="zh-TW" altLang="en-US" sz="1200" dirty="0">
                   <a:solidFill>
                     <a:srgbClr val="0000FF"/>
                   </a:solidFill>
-                  <a:latin typeface="Arial" pitchFamily="34" charset="0"/>
+                  <a:latin typeface="微軟正黑體" pitchFamily="34" charset="-120"/>
                   <a:ea typeface="微軟正黑體" pitchFamily="34" charset="-120"/>
-                  <a:cs typeface="Arial" pitchFamily="34" charset="0"/>
                 </a:rPr>
-                <a:t>創立</a:t>
+                <a:t>楊氏節孝坊</a:t>
               </a:r>
+            </a:p>
+            <a:p>
               <a:r>
-                <a:rPr lang="zh-TW" altLang="en-US" sz="1200" b="1" dirty="0">
+                <a:rPr lang="en-US" altLang="zh-TW" sz="1200" dirty="0">
                   <a:solidFill>
                     <a:srgbClr val="0000FF"/>
                   </a:solidFill>
-                  <a:latin typeface="Arial" pitchFamily="34" charset="0"/>
+                  <a:latin typeface="微軟正黑體" pitchFamily="34" charset="-120"/>
                   <a:ea typeface="微軟正黑體" pitchFamily="34" charset="-120"/>
-                  <a:cs typeface="Arial" pitchFamily="34" charset="0"/>
                 </a:rPr>
-                <a:t>時間</a:t>
+                <a:t>3.</a:t>
               </a:r>
-              <a:endParaRPr lang="en-US" altLang="zh-TW" sz="1200" dirty="0" smtClean="0">
-                <a:solidFill>
-                  <a:srgbClr val="FF0000"/>
-                </a:solidFill>
-                <a:latin typeface="Arial" pitchFamily="34" charset="0"/>
-                <a:ea typeface="微軟正黑體" pitchFamily="34" charset="-120"/>
-                <a:cs typeface="Arial" pitchFamily="34" charset="0"/>
-              </a:endParaRPr>
+              <a:r>
+                <a:rPr lang="zh-TW" altLang="en-US" sz="1200" dirty="0">
+                  <a:solidFill>
+                    <a:srgbClr val="0000FF"/>
+                  </a:solidFill>
+                  <a:latin typeface="微軟正黑體" pitchFamily="34" charset="-120"/>
+                  <a:ea typeface="微軟正黑體" pitchFamily="34" charset="-120"/>
+                </a:rPr>
+                <a:t>張氏節孝坊</a:t>
+              </a:r>
             </a:p>
             <a:p>
               <a:r>
-                <a:rPr lang="en-US" altLang="zh-TW" sz="1200" dirty="0" smtClean="0">
-                  <a:solidFill>
-                    <a:srgbClr val="FF0000"/>
-                  </a:solidFill>
-                  <a:latin typeface="Arial" pitchFamily="34" charset="0"/>
-                  <a:ea typeface="微軟正黑體" pitchFamily="34" charset="-120"/>
-                  <a:cs typeface="Arial" pitchFamily="34" charset="0"/>
-                </a:rPr>
-                <a:t>3. </a:t>
-              </a:r>
-              <a:r>
-                <a:rPr lang="zh-TW" altLang="en-US" sz="1200" b="1" dirty="0" smtClean="0">
+                <a:rPr lang="en-US" altLang="zh-TW" sz="1200" dirty="0">
                   <a:solidFill>
                     <a:srgbClr val="0000FF"/>
                   </a:solidFill>
-                  <a:latin typeface="Arial" pitchFamily="34" charset="0"/>
+                  <a:latin typeface="微軟正黑體" pitchFamily="34" charset="-120"/>
                   <a:ea typeface="微軟正黑體" pitchFamily="34" charset="-120"/>
-                  <a:cs typeface="Arial" pitchFamily="34" charset="0"/>
                 </a:rPr>
-                <a:t>位置資訊</a:t>
+                <a:t>4.</a:t>
               </a:r>
-              <a:endParaRPr lang="en-US" altLang="zh-TW" sz="1200" dirty="0" smtClean="0">
+              <a:r>
+                <a:rPr lang="zh-TW" altLang="en-US" sz="1200" dirty="0">
+                  <a:solidFill>
+                    <a:srgbClr val="0000FF"/>
+                  </a:solidFill>
+                  <a:latin typeface="微軟正黑體" pitchFamily="34" charset="-120"/>
+                  <a:ea typeface="微軟正黑體" pitchFamily="34" charset="-120"/>
+                </a:rPr>
+                <a:t>李鍚金孝子坊</a:t>
+              </a:r>
+            </a:p>
+            <a:p>
+              <a:r>
+                <a:rPr lang="en-US" altLang="zh-TW" sz="1200" dirty="0">
+                  <a:solidFill>
+                    <a:srgbClr val="0000FF"/>
+                  </a:solidFill>
+                  <a:latin typeface="微軟正黑體" pitchFamily="34" charset="-120"/>
+                  <a:ea typeface="微軟正黑體" pitchFamily="34" charset="-120"/>
+                </a:rPr>
+                <a:t>5.</a:t>
+              </a:r>
+              <a:r>
+                <a:rPr lang="zh-TW" altLang="en-US" sz="1200" dirty="0">
+                  <a:solidFill>
+                    <a:srgbClr val="0000FF"/>
+                  </a:solidFill>
+                  <a:latin typeface="微軟正黑體" pitchFamily="34" charset="-120"/>
+                  <a:ea typeface="微軟正黑體" pitchFamily="34" charset="-120"/>
+                </a:rPr>
+                <a:t>新竹鄭氏家</a:t>
+              </a:r>
+              <a:r>
+                <a:rPr lang="zh-TW" altLang="en-US" sz="1200" dirty="0" smtClean="0">
+                  <a:solidFill>
+                    <a:srgbClr val="0000FF"/>
+                  </a:solidFill>
+                  <a:latin typeface="微軟正黑體" pitchFamily="34" charset="-120"/>
+                  <a:ea typeface="微軟正黑體" pitchFamily="34" charset="-120"/>
+                </a:rPr>
+                <a:t>廟</a:t>
+              </a:r>
+              <a:endParaRPr lang="zh-TW" altLang="en-US" sz="1200" dirty="0">
                 <a:solidFill>
-                  <a:srgbClr val="FF0000"/>
+                  <a:srgbClr val="0000FF"/>
                 </a:solidFill>
-                <a:latin typeface="Arial" pitchFamily="34" charset="0"/>
+                <a:latin typeface="微軟正黑體" pitchFamily="34" charset="-120"/>
                 <a:ea typeface="微軟正黑體" pitchFamily="34" charset="-120"/>
-                <a:cs typeface="Arial" pitchFamily="34" charset="0"/>
               </a:endParaRPr>
             </a:p>
           </p:txBody>
@@ -8612,7 +8727,7 @@
         </p:nvGrpSpPr>
         <p:grpSpPr>
           <a:xfrm>
-            <a:off x="1241958" y="4721425"/>
+            <a:off x="1411284" y="4231568"/>
             <a:ext cx="597957" cy="306612"/>
             <a:chOff x="1148821" y="4857581"/>
             <a:chExt cx="597957" cy="306612"/>
@@ -8754,7 +8869,7 @@
         <p:spPr>
           <a:xfrm>
             <a:off x="990601" y="1049869"/>
-            <a:ext cx="7814732" cy="1577355"/>
+            <a:ext cx="7814732" cy="769441"/>
           </a:xfrm>
           <a:prstGeom prst="rect">
             <a:avLst/>
@@ -8835,182 +8950,17 @@
                 <a:ea typeface="微軟正黑體" pitchFamily="34" charset="-120"/>
                 <a:cs typeface="Arial" pitchFamily="34" charset="0"/>
               </a:rPr>
-              <a:t>「關鍵字」進行提問，或依照機器人指示步驟引導提問：</a:t>
-            </a:r>
-            <a:endParaRPr lang="en-US" altLang="zh-TW" sz="2200" dirty="0">
-              <a:latin typeface="Arial" pitchFamily="34" charset="0"/>
-              <a:ea typeface="微軟正黑體" pitchFamily="34" charset="-120"/>
-              <a:cs typeface="Arial" pitchFamily="34" charset="0"/>
-            </a:endParaRPr>
-          </a:p>
-          <a:p>
-            <a:pPr marL="355600" indent="-355600">
-              <a:spcBef>
-                <a:spcPts val="300"/>
-              </a:spcBef>
-              <a:spcAft>
-                <a:spcPts val="300"/>
-              </a:spcAft>
-              <a:buFont typeface="+mj-lt"/>
-              <a:buAutoNum type="arabicPeriod"/>
-            </a:pPr>
-            <a:r>
-              <a:rPr lang="zh-TW" altLang="en-US" sz="2000" dirty="0">
+              <a:t>「關鍵字」進行提問，或依照機器人指示步驟引導提問</a:t>
+            </a:r>
+            <a:r>
+              <a:rPr lang="zh-TW" altLang="en-US" sz="2200" dirty="0" smtClean="0">
                 <a:latin typeface="Arial" pitchFamily="34" charset="0"/>
                 <a:ea typeface="微軟正黑體" pitchFamily="34" charset="-120"/>
                 <a:cs typeface="Arial" pitchFamily="34" charset="0"/>
               </a:rPr>
-              <a:t>如所</a:t>
-            </a:r>
-            <a:r>
-              <a:rPr lang="zh-TW" altLang="en-US" sz="2000" dirty="0" smtClean="0">
-                <a:latin typeface="Arial" pitchFamily="34" charset="0"/>
-                <a:ea typeface="微軟正黑體" pitchFamily="34" charset="-120"/>
-                <a:cs typeface="Arial" pitchFamily="34" charset="0"/>
-              </a:rPr>
-              <a:t>提</a:t>
-            </a:r>
-            <a:r>
-              <a:rPr lang="zh-TW" altLang="en-US" sz="2000" dirty="0">
-                <a:latin typeface="Arial" pitchFamily="34" charset="0"/>
-                <a:ea typeface="微軟正黑體" pitchFamily="34" charset="-120"/>
-                <a:cs typeface="Arial" pitchFamily="34" charset="0"/>
-              </a:rPr>
-              <a:t>問</a:t>
-            </a:r>
-            <a:r>
-              <a:rPr lang="zh-TW" altLang="en-US" sz="2000" dirty="0" smtClean="0">
-                <a:latin typeface="Arial" pitchFamily="34" charset="0"/>
-                <a:ea typeface="微軟正黑體" pitchFamily="34" charset="-120"/>
-                <a:cs typeface="Arial" pitchFamily="34" charset="0"/>
-              </a:rPr>
-              <a:t>之問題，機器人</a:t>
-            </a:r>
-            <a:r>
-              <a:rPr lang="zh-TW" altLang="en-US" sz="2000" u="sng" dirty="0">
-                <a:latin typeface="Arial" pitchFamily="34" charset="0"/>
-                <a:ea typeface="微軟正黑體" pitchFamily="34" charset="-120"/>
-                <a:cs typeface="Arial" pitchFamily="34" charset="0"/>
-              </a:rPr>
-              <a:t>已學習過</a:t>
-            </a:r>
-            <a:r>
-              <a:rPr lang="zh-TW" altLang="en-US" sz="2000" dirty="0">
-                <a:latin typeface="Arial" pitchFamily="34" charset="0"/>
-                <a:ea typeface="微軟正黑體" pitchFamily="34" charset="-120"/>
-                <a:cs typeface="Arial" pitchFamily="34" charset="0"/>
-              </a:rPr>
-              <a:t>，則可 </a:t>
-            </a:r>
-            <a:r>
-              <a:rPr lang="zh-TW" altLang="en-US" sz="2000" b="1" dirty="0">
-                <a:solidFill>
-                  <a:srgbClr val="FF0000"/>
-                </a:solidFill>
-                <a:latin typeface="Arial" pitchFamily="34" charset="0"/>
-                <a:ea typeface="微軟正黑體" pitchFamily="34" charset="-120"/>
-                <a:cs typeface="Arial" pitchFamily="34" charset="0"/>
-              </a:rPr>
-              <a:t>即時 </a:t>
-            </a:r>
-            <a:r>
-              <a:rPr lang="zh-TW" altLang="en-US" sz="2000" dirty="0">
-                <a:latin typeface="Arial" pitchFamily="34" charset="0"/>
-                <a:ea typeface="微軟正黑體" pitchFamily="34" charset="-120"/>
-                <a:cs typeface="Arial" pitchFamily="34" charset="0"/>
-              </a:rPr>
-              <a:t>回覆</a:t>
-            </a:r>
-            <a:r>
-              <a:rPr lang="zh-TW" altLang="en-US" sz="2000" dirty="0" smtClean="0">
-                <a:latin typeface="Arial" pitchFamily="34" charset="0"/>
-                <a:ea typeface="微軟正黑體" pitchFamily="34" charset="-120"/>
-                <a:cs typeface="Arial" pitchFamily="34" charset="0"/>
-              </a:rPr>
-              <a:t>解答。</a:t>
-            </a:r>
-            <a:endParaRPr lang="en-US" altLang="zh-TW" sz="2000" dirty="0">
-              <a:latin typeface="Arial" pitchFamily="34" charset="0"/>
-              <a:ea typeface="微軟正黑體" pitchFamily="34" charset="-120"/>
-              <a:cs typeface="Arial" pitchFamily="34" charset="0"/>
-            </a:endParaRPr>
-          </a:p>
-          <a:p>
-            <a:pPr marL="355600" indent="-355600">
-              <a:spcBef>
-                <a:spcPts val="300"/>
-              </a:spcBef>
-              <a:spcAft>
-                <a:spcPts val="300"/>
-              </a:spcAft>
-              <a:buFont typeface="+mj-lt"/>
-              <a:buAutoNum type="arabicPeriod"/>
-            </a:pPr>
-            <a:r>
-              <a:rPr lang="zh-TW" altLang="en-US" sz="2000" dirty="0" smtClean="0">
-                <a:latin typeface="Arial" pitchFamily="34" charset="0"/>
-                <a:ea typeface="微軟正黑體" pitchFamily="34" charset="-120"/>
-                <a:cs typeface="Arial" pitchFamily="34" charset="0"/>
-              </a:rPr>
-              <a:t>如</a:t>
-            </a:r>
-            <a:r>
-              <a:rPr lang="zh-TW" altLang="en-US" sz="2000" dirty="0">
-                <a:latin typeface="Arial" pitchFamily="34" charset="0"/>
-                <a:ea typeface="微軟正黑體" pitchFamily="34" charset="-120"/>
-                <a:cs typeface="Arial" pitchFamily="34" charset="0"/>
-              </a:rPr>
-              <a:t>所</a:t>
-            </a:r>
-            <a:r>
-              <a:rPr lang="zh-TW" altLang="en-US" sz="2000" dirty="0" smtClean="0">
-                <a:latin typeface="Arial" pitchFamily="34" charset="0"/>
-                <a:ea typeface="微軟正黑體" pitchFamily="34" charset="-120"/>
-                <a:cs typeface="Arial" pitchFamily="34" charset="0"/>
-              </a:rPr>
-              <a:t>提問之問題，</a:t>
-            </a:r>
-            <a:r>
-              <a:rPr lang="zh-TW" altLang="en-US" sz="2000" dirty="0">
-                <a:latin typeface="Arial" pitchFamily="34" charset="0"/>
-                <a:ea typeface="微軟正黑體" pitchFamily="34" charset="-120"/>
-                <a:cs typeface="Arial" pitchFamily="34" charset="0"/>
-              </a:rPr>
-              <a:t>機器人</a:t>
-            </a:r>
-            <a:r>
-              <a:rPr lang="zh-TW" altLang="en-US" sz="2000" u="sng" dirty="0">
-                <a:latin typeface="Arial" pitchFamily="34" charset="0"/>
-                <a:ea typeface="微軟正黑體" pitchFamily="34" charset="-120"/>
-                <a:cs typeface="Arial" pitchFamily="34" charset="0"/>
-              </a:rPr>
-              <a:t>尚未學習</a:t>
-            </a:r>
-            <a:r>
-              <a:rPr lang="zh-TW" altLang="en-US" sz="2000" dirty="0" smtClean="0">
-                <a:latin typeface="Arial" pitchFamily="34" charset="0"/>
-                <a:ea typeface="微軟正黑體" pitchFamily="34" charset="-120"/>
-                <a:cs typeface="Arial" pitchFamily="34" charset="0"/>
-              </a:rPr>
-              <a:t>，則需告知 管理者</a:t>
-            </a:r>
-            <a:r>
-              <a:rPr lang="en-US" altLang="zh-TW" sz="2000" dirty="0" smtClean="0">
-                <a:latin typeface="Arial" pitchFamily="34" charset="0"/>
-                <a:ea typeface="微軟正黑體" pitchFamily="34" charset="-120"/>
-                <a:cs typeface="Arial" pitchFamily="34" charset="0"/>
-              </a:rPr>
-              <a:t> </a:t>
-            </a:r>
-            <a:r>
-              <a:rPr lang="zh-TW" altLang="en-US" sz="2000" dirty="0" smtClean="0">
-                <a:latin typeface="Arial" pitchFamily="34" charset="0"/>
-                <a:ea typeface="微軟正黑體" pitchFamily="34" charset="-120"/>
-                <a:cs typeface="Arial" pitchFamily="34" charset="0"/>
-              </a:rPr>
-              <a:t>輸入系統。</a:t>
-            </a:r>
-            <a:endParaRPr lang="en-US" altLang="zh-TW" sz="2000" dirty="0" smtClean="0">
+              <a:t>：</a:t>
+            </a:r>
+            <a:endParaRPr lang="en-US" altLang="zh-TW" sz="2200" dirty="0">
               <a:latin typeface="Arial" pitchFamily="34" charset="0"/>
               <a:ea typeface="微軟正黑體" pitchFamily="34" charset="-120"/>
               <a:cs typeface="Arial" pitchFamily="34" charset="0"/>
@@ -9039,7 +8989,7 @@
         </p:blipFill>
         <p:spPr bwMode="auto">
           <a:xfrm>
-            <a:off x="5846240" y="3760469"/>
+            <a:off x="6015566" y="3270612"/>
             <a:ext cx="587930" cy="224855"/>
           </a:xfrm>
           <a:prstGeom prst="rect">
@@ -9093,7 +9043,7 @@
         </p:blipFill>
         <p:spPr bwMode="auto">
           <a:xfrm>
-            <a:off x="4917998" y="4058855"/>
+            <a:off x="5087324" y="3568998"/>
             <a:ext cx="1423536" cy="676441"/>
           </a:xfrm>
           <a:prstGeom prst="rect">
@@ -9126,142 +9076,13 @@
       </p:pic>
       <p:grpSp>
         <p:nvGrpSpPr>
-          <p:cNvPr id="21" name="群組 20"/>
-          <p:cNvGrpSpPr/>
-          <p:nvPr/>
-        </p:nvGrpSpPr>
-        <p:grpSpPr>
-          <a:xfrm>
-            <a:off x="6828340" y="5415261"/>
-            <a:ext cx="884767" cy="541077"/>
-            <a:chOff x="6642111" y="3548075"/>
-            <a:chExt cx="884767" cy="541077"/>
-          </a:xfrm>
-        </p:grpSpPr>
-        <p:sp>
-          <p:nvSpPr>
-            <p:cNvPr id="22" name="橢圓形圖說文字 21"/>
-            <p:cNvSpPr/>
-            <p:nvPr/>
-          </p:nvSpPr>
-          <p:spPr bwMode="auto">
-            <a:xfrm>
-              <a:off x="6642111" y="3548075"/>
-              <a:ext cx="876300" cy="541077"/>
-            </a:xfrm>
-            <a:prstGeom prst="wedgeEllipseCallout">
-              <a:avLst>
-                <a:gd name="adj1" fmla="val 59360"/>
-                <a:gd name="adj2" fmla="val -112755"/>
-              </a:avLst>
-            </a:prstGeom>
-            <a:solidFill>
-              <a:srgbClr val="FFFF00"/>
-            </a:solidFill>
-            <a:ln w="9525" cap="flat" cmpd="sng" algn="ctr">
-              <a:solidFill>
-                <a:schemeClr val="tx1"/>
-              </a:solidFill>
-              <a:prstDash val="solid"/>
-              <a:round/>
-              <a:headEnd type="none" w="med" len="med"/>
-              <a:tailEnd type="none" w="med" len="med"/>
-            </a:ln>
-            <a:effectLst/>
-            <a:extLst/>
-          </p:spPr>
-          <p:txBody>
-            <a:bodyPr vert="horz" wrap="square" lIns="91440" tIns="45720" rIns="91440" bIns="45720" numCol="1" rtlCol="0" anchor="t" anchorCtr="1" compatLnSpc="1">
-              <a:prstTxWarp prst="textNoShape">
-                <a:avLst/>
-              </a:prstTxWarp>
-            </a:bodyPr>
-            <a:lstStyle/>
-            <a:p>
-              <a:pPr marL="0" marR="0" indent="0" algn="l" defTabSz="914400" rtl="0" eaLnBrk="1" fontAlgn="base" latinLnBrk="0" hangingPunct="1">
-                <a:lnSpc>
-                  <a:spcPct val="100000"/>
-                </a:lnSpc>
-                <a:spcBef>
-                  <a:spcPct val="20000"/>
-                </a:spcBef>
-                <a:spcAft>
-                  <a:spcPct val="0"/>
-                </a:spcAft>
-                <a:buClrTx/>
-                <a:buSzTx/>
-                <a:buFontTx/>
-                <a:buNone/>
-                <a:tabLst/>
-              </a:pPr>
-              <a:endParaRPr kumimoji="0" lang="zh-TW" altLang="en-US" sz="2400" b="0" i="0" u="none" strike="noStrike" cap="none" normalizeH="0" baseline="0" smtClean="0">
-                <a:ln>
-                  <a:noFill/>
-                </a:ln>
-                <a:solidFill>
-                  <a:schemeClr val="tx1"/>
-                </a:solidFill>
-                <a:effectLst/>
-                <a:latin typeface="Tahoma" pitchFamily="34" charset="0"/>
-              </a:endParaRPr>
-            </a:p>
-          </p:txBody>
-        </p:sp>
-        <p:sp>
-          <p:nvSpPr>
-            <p:cNvPr id="24" name="文字方塊 23"/>
-            <p:cNvSpPr txBox="1"/>
-            <p:nvPr/>
-          </p:nvSpPr>
-          <p:spPr>
-            <a:xfrm>
-              <a:off x="6650578" y="3681626"/>
-              <a:ext cx="876300" cy="276999"/>
-            </a:xfrm>
-            <a:prstGeom prst="rect">
-              <a:avLst/>
-            </a:prstGeom>
-            <a:noFill/>
-          </p:spPr>
-          <p:txBody>
-            <a:bodyPr wrap="square" rtlCol="0">
-              <a:spAutoFit/>
-            </a:bodyPr>
-            <a:lstStyle/>
-            <a:p>
-              <a:pPr algn="ctr"/>
-              <a:r>
-                <a:rPr lang="en-US" altLang="zh-TW" sz="1200" dirty="0" smtClean="0">
-                  <a:solidFill>
-                    <a:srgbClr val="FF0000"/>
-                  </a:solidFill>
-                  <a:latin typeface="Arial" pitchFamily="34" charset="0"/>
-                  <a:ea typeface="微軟正黑體" pitchFamily="34" charset="-120"/>
-                  <a:cs typeface="Arial" pitchFamily="34" charset="0"/>
-                </a:rPr>
-                <a:t>1</a:t>
-              </a:r>
-              <a:endParaRPr lang="zh-TW" altLang="en-US" sz="1200" dirty="0">
-                <a:solidFill>
-                  <a:srgbClr val="FF0000"/>
-                </a:solidFill>
-                <a:latin typeface="Arial" pitchFamily="34" charset="0"/>
-                <a:ea typeface="微軟正黑體" pitchFamily="34" charset="-120"/>
-                <a:cs typeface="Arial" pitchFamily="34" charset="0"/>
-              </a:endParaRPr>
-            </a:p>
-          </p:txBody>
-        </p:sp>
-      </p:grpSp>
-      <p:grpSp>
-        <p:nvGrpSpPr>
           <p:cNvPr id="27" name="群組 26"/>
           <p:cNvGrpSpPr/>
           <p:nvPr/>
         </p:nvGrpSpPr>
         <p:grpSpPr>
           <a:xfrm>
-            <a:off x="2462496" y="5438686"/>
+            <a:off x="2631822" y="4948829"/>
             <a:ext cx="2082802" cy="517652"/>
             <a:chOff x="2311417" y="3242733"/>
             <a:chExt cx="2150538" cy="1440982"/>
@@ -9346,7 +9167,7 @@
           <p:spPr>
             <a:xfrm>
               <a:off x="2332588" y="3298721"/>
-              <a:ext cx="2061631" cy="1285132"/>
+              <a:ext cx="2061631" cy="1285131"/>
             </a:xfrm>
             <a:prstGeom prst="rect">
               <a:avLst/>
@@ -9360,17 +9181,37 @@
             <a:lstStyle/>
             <a:p>
               <a:r>
-                <a:rPr lang="zh-TW" altLang="en-US" sz="1200" dirty="0">
+                <a:rPr lang="zh-TW" altLang="en-US" sz="1200" dirty="0" smtClean="0">
                   <a:solidFill>
                     <a:srgbClr val="FF0000"/>
                   </a:solidFill>
                   <a:latin typeface="微軟正黑體" pitchFamily="34" charset="-120"/>
                   <a:ea typeface="微軟正黑體" pitchFamily="34" charset="-120"/>
                 </a:rPr>
-                <a:t>不好意思，</a:t>
+                <a:t>好的，我帶您去</a:t>
               </a:r>
               <a:r>
-                <a:rPr lang="en-US" altLang="zh-TW" sz="1200" dirty="0">
+                <a:rPr lang="zh-TW" altLang="en-US" sz="1200" dirty="0">
+                  <a:solidFill>
+                    <a:srgbClr val="0000FF"/>
+                  </a:solidFill>
+                  <a:latin typeface="微軟正黑體" pitchFamily="34" charset="-120"/>
+                  <a:ea typeface="微軟正黑體" pitchFamily="34" charset="-120"/>
+                </a:rPr>
+                <a:t>蘇氏節孝</a:t>
+              </a:r>
+              <a:r>
+                <a:rPr lang="zh-TW" altLang="en-US" sz="1200" dirty="0" smtClean="0">
+                  <a:solidFill>
+                    <a:srgbClr val="0000FF"/>
+                  </a:solidFill>
+                  <a:latin typeface="微軟正黑體" pitchFamily="34" charset="-120"/>
+                  <a:ea typeface="微軟正黑體" pitchFamily="34" charset="-120"/>
+                </a:rPr>
+                <a:t>坊</a:t>
+              </a:r>
+              <a:r>
+                <a:rPr lang="zh-TW" altLang="en-US" sz="1200" dirty="0">
                   <a:solidFill>
                     <a:srgbClr val="FF0000"/>
                   </a:solidFill>
@@ -9378,45 +9219,14 @@
                   <a:ea typeface="微軟正黑體" pitchFamily="34" charset="-120"/>
                   <a:cs typeface="Arial" pitchFamily="34" charset="0"/>
                 </a:rPr>
-                <a:t>Jennifer</a:t>
-              </a:r>
-              <a:r>
-                <a:rPr lang="zh-TW" altLang="en-US" sz="1200" dirty="0">
-                  <a:solidFill>
-                    <a:srgbClr val="FF0000"/>
-                  </a:solidFill>
-                  <a:latin typeface="微軟正黑體" pitchFamily="34" charset="-120"/>
-                  <a:ea typeface="微軟正黑體" pitchFamily="34" charset="-120"/>
-                </a:rPr>
-                <a:t>還在忙，還沒空建資料庫</a:t>
-              </a:r>
-              <a:r>
-                <a:rPr lang="zh-TW" altLang="en-US" sz="1200" dirty="0" smtClean="0">
-                  <a:solidFill>
-                    <a:srgbClr val="FF0000"/>
-                  </a:solidFill>
-                  <a:latin typeface="微軟正黑體" pitchFamily="34" charset="-120"/>
-                  <a:ea typeface="微軟正黑體" pitchFamily="34" charset="-120"/>
-                </a:rPr>
-                <a:t>啦</a:t>
-              </a:r>
-              <a:r>
-                <a:rPr lang="en-US" altLang="zh-TW" sz="1200" dirty="0" smtClean="0">
-                  <a:solidFill>
-                    <a:srgbClr val="FF0000"/>
-                  </a:solidFill>
-                  <a:latin typeface="微軟正黑體" pitchFamily="34" charset="-120"/>
-                  <a:ea typeface="微軟正黑體" pitchFamily="34" charset="-120"/>
-                </a:rPr>
-                <a:t>~</a:t>
+                <a:t>。</a:t>
               </a:r>
               <a:endParaRPr lang="zh-TW" altLang="en-US" sz="1200" dirty="0">
                 <a:solidFill>
-                  <a:srgbClr val="FF0000"/>
+                  <a:srgbClr val="0000FF"/>
                 </a:solidFill>
-                <a:latin typeface="Arial" pitchFamily="34" charset="0"/>
+                <a:latin typeface="微軟正黑體" pitchFamily="34" charset="-120"/>
                 <a:ea typeface="微軟正黑體" pitchFamily="34" charset="-120"/>
-                <a:cs typeface="Arial" pitchFamily="34" charset="0"/>
               </a:endParaRPr>
             </a:p>
           </p:txBody>
@@ -9445,7 +9255,7 @@
         </p:blipFill>
         <p:spPr bwMode="auto">
           <a:xfrm>
-            <a:off x="5896688" y="4806810"/>
+            <a:off x="6066014" y="4316953"/>
             <a:ext cx="537482" cy="224855"/>
           </a:xfrm>
           <a:prstGeom prst="rect">
@@ -9499,7 +9309,7 @@
         </p:blipFill>
         <p:spPr bwMode="auto">
           <a:xfrm>
-            <a:off x="4918189" y="5170390"/>
+            <a:off x="5087515" y="4680533"/>
             <a:ext cx="1516444" cy="341014"/>
           </a:xfrm>
           <a:prstGeom prst="rect">
@@ -9544,442 +9354,7 @@
   <p:timing>
     <p:tnLst>
       <p:par>
-        <p:cTn id="1" dur="indefinite" restart="never" nodeType="tmRoot">
-          <p:childTnLst>
-            <p:seq concurrent="1" nextAc="seek">
-              <p:cTn id="2" dur="indefinite" nodeType="mainSeq">
-                <p:childTnLst>
-                  <p:par>
-                    <p:cTn id="3" fill="hold">
-                      <p:stCondLst>
-                        <p:cond delay="indefinite"/>
-                        <p:cond evt="onBegin" delay="0">
-                          <p:tn val="2"/>
-                        </p:cond>
-                      </p:stCondLst>
-                      <p:childTnLst>
-                        <p:par>
-                          <p:cTn id="4" fill="hold">
-                            <p:stCondLst>
-                              <p:cond delay="0"/>
-                            </p:stCondLst>
-                            <p:childTnLst>
-                              <p:par>
-                                <p:cTn id="5" presetID="1" presetClass="entr" presetSubtype="0" fill="hold" nodeType="afterEffect">
-                                  <p:stCondLst>
-                                    <p:cond delay="0"/>
-                                  </p:stCondLst>
-                                  <p:childTnLst>
-                                    <p:set>
-                                      <p:cBhvr>
-                                        <p:cTn id="6" dur="1" fill="hold">
-                                          <p:stCondLst>
-                                            <p:cond delay="0"/>
-                                          </p:stCondLst>
-                                        </p:cTn>
-                                        <p:tgtEl>
-                                          <p:spTgt spid="26"/>
-                                        </p:tgtEl>
-                                        <p:attrNameLst>
-                                          <p:attrName>style.visibility</p:attrName>
-                                        </p:attrNameLst>
-                                      </p:cBhvr>
-                                      <p:to>
-                                        <p:strVal val="visible"/>
-                                      </p:to>
-                                    </p:set>
-                                  </p:childTnLst>
-                                  <p:subTnLst>
-                                    <p:set>
-                                      <p:cBhvr override="childStyle">
-                                        <p:cTn dur="1" fill="hold" display="0" masterRel="nextClick" afterEffect="1"/>
-                                        <p:tgtEl>
-                                          <p:spTgt spid="26"/>
-                                        </p:tgtEl>
-                                        <p:attrNameLst>
-                                          <p:attrName>style.visibility</p:attrName>
-                                        </p:attrNameLst>
-                                      </p:cBhvr>
-                                      <p:to>
-                                        <p:strVal val="hidden"/>
-                                      </p:to>
-                                    </p:set>
-                                  </p:subTnLst>
-                                </p:cTn>
-                              </p:par>
-                            </p:childTnLst>
-                          </p:cTn>
-                        </p:par>
-                        <p:par>
-                          <p:cTn id="7" fill="hold">
-                            <p:stCondLst>
-                              <p:cond delay="0"/>
-                            </p:stCondLst>
-                            <p:childTnLst>
-                              <p:par>
-                                <p:cTn id="8" presetID="22" presetClass="entr" presetSubtype="2" fill="hold" nodeType="afterEffect">
-                                  <p:stCondLst>
-                                    <p:cond delay="1000"/>
-                                  </p:stCondLst>
-                                  <p:childTnLst>
-                                    <p:set>
-                                      <p:cBhvr>
-                                        <p:cTn id="9" dur="1" fill="hold">
-                                          <p:stCondLst>
-                                            <p:cond delay="0"/>
-                                          </p:stCondLst>
-                                        </p:cTn>
-                                        <p:tgtEl>
-                                          <p:spTgt spid="1026"/>
-                                        </p:tgtEl>
-                                        <p:attrNameLst>
-                                          <p:attrName>style.visibility</p:attrName>
-                                        </p:attrNameLst>
-                                      </p:cBhvr>
-                                      <p:to>
-                                        <p:strVal val="visible"/>
-                                      </p:to>
-                                    </p:set>
-                                    <p:animEffect transition="in" filter="wipe(right)">
-                                      <p:cBhvr>
-                                        <p:cTn id="10" dur="500"/>
-                                        <p:tgtEl>
-                                          <p:spTgt spid="1026"/>
-                                        </p:tgtEl>
-                                      </p:cBhvr>
-                                    </p:animEffect>
-                                  </p:childTnLst>
-                                </p:cTn>
-                              </p:par>
-                            </p:childTnLst>
-                          </p:cTn>
-                        </p:par>
-                        <p:par>
-                          <p:cTn id="11" fill="hold">
-                            <p:stCondLst>
-                              <p:cond delay="1500"/>
-                            </p:stCondLst>
-                            <p:childTnLst>
-                              <p:par>
-                                <p:cTn id="12" presetID="35" presetClass="emph" presetSubtype="0" repeatCount="indefinite" fill="hold" nodeType="afterEffect">
-                                  <p:stCondLst>
-                                    <p:cond delay="0"/>
-                                  </p:stCondLst>
-                                  <p:endCondLst>
-                                    <p:cond evt="onNext" delay="0">
-                                      <p:tgtEl>
-                                        <p:sldTgt/>
-                                      </p:tgtEl>
-                                    </p:cond>
-                                  </p:endCondLst>
-                                  <p:childTnLst>
-                                    <p:anim calcmode="discrete" valueType="str">
-                                      <p:cBhvr>
-                                        <p:cTn id="13" dur="1000" fill="hold"/>
-                                        <p:tgtEl>
-                                          <p:spTgt spid="28"/>
-                                        </p:tgtEl>
-                                        <p:attrNameLst>
-                                          <p:attrName>style.visibility</p:attrName>
-                                        </p:attrNameLst>
-                                      </p:cBhvr>
-                                      <p:tavLst>
-                                        <p:tav tm="0">
-                                          <p:val>
-                                            <p:strVal val="hidden"/>
-                                          </p:val>
-                                        </p:tav>
-                                        <p:tav tm="50000">
-                                          <p:val>
-                                            <p:strVal val="visible"/>
-                                          </p:val>
-                                        </p:tav>
-                                      </p:tavLst>
-                                    </p:anim>
-                                  </p:childTnLst>
-                                </p:cTn>
-                              </p:par>
-                            </p:childTnLst>
-                          </p:cTn>
-                        </p:par>
-                        <p:par>
-                          <p:cTn id="14" fill="hold">
-                            <p:stCondLst>
-                              <p:cond delay="2500"/>
-                            </p:stCondLst>
-                            <p:childTnLst>
-                              <p:par>
-                                <p:cTn id="15" presetID="1" presetClass="entr" presetSubtype="0" fill="hold" nodeType="afterEffect">
-                                  <p:stCondLst>
-                                    <p:cond delay="0"/>
-                                  </p:stCondLst>
-                                  <p:childTnLst>
-                                    <p:set>
-                                      <p:cBhvr>
-                                        <p:cTn id="16" dur="1" fill="hold">
-                                          <p:stCondLst>
-                                            <p:cond delay="0"/>
-                                          </p:stCondLst>
-                                        </p:cTn>
-                                        <p:tgtEl>
-                                          <p:spTgt spid="25"/>
-                                        </p:tgtEl>
-                                        <p:attrNameLst>
-                                          <p:attrName>style.visibility</p:attrName>
-                                        </p:attrNameLst>
-                                      </p:cBhvr>
-                                      <p:to>
-                                        <p:strVal val="visible"/>
-                                      </p:to>
-                                    </p:set>
-                                  </p:childTnLst>
-                                  <p:subTnLst>
-                                    <p:set>
-                                      <p:cBhvr override="childStyle">
-                                        <p:cTn dur="1" fill="hold" display="0" masterRel="nextClick" afterEffect="1"/>
-                                        <p:tgtEl>
-                                          <p:spTgt spid="25"/>
-                                        </p:tgtEl>
-                                        <p:attrNameLst>
-                                          <p:attrName>style.visibility</p:attrName>
-                                        </p:attrNameLst>
-                                      </p:cBhvr>
-                                      <p:to>
-                                        <p:strVal val="hidden"/>
-                                      </p:to>
-                                    </p:set>
-                                  </p:subTnLst>
-                                </p:cTn>
-                              </p:par>
-                            </p:childTnLst>
-                          </p:cTn>
-                        </p:par>
-                        <p:par>
-                          <p:cTn id="17" fill="hold">
-                            <p:stCondLst>
-                              <p:cond delay="2500"/>
-                            </p:stCondLst>
-                            <p:childTnLst>
-                              <p:par>
-                                <p:cTn id="18" presetID="22" presetClass="entr" presetSubtype="8" fill="hold" nodeType="afterEffect">
-                                  <p:stCondLst>
-                                    <p:cond delay="1000"/>
-                                  </p:stCondLst>
-                                  <p:childTnLst>
-                                    <p:set>
-                                      <p:cBhvr>
-                                        <p:cTn id="19" dur="1" fill="hold">
-                                          <p:stCondLst>
-                                            <p:cond delay="0"/>
-                                          </p:stCondLst>
-                                        </p:cTn>
-                                        <p:tgtEl>
-                                          <p:spTgt spid="1027"/>
-                                        </p:tgtEl>
-                                        <p:attrNameLst>
-                                          <p:attrName>style.visibility</p:attrName>
-                                        </p:attrNameLst>
-                                      </p:cBhvr>
-                                      <p:to>
-                                        <p:strVal val="visible"/>
-                                      </p:to>
-                                    </p:set>
-                                    <p:animEffect transition="in" filter="wipe(left)">
-                                      <p:cBhvr>
-                                        <p:cTn id="20" dur="500"/>
-                                        <p:tgtEl>
-                                          <p:spTgt spid="1027"/>
-                                        </p:tgtEl>
-                                      </p:cBhvr>
-                                    </p:animEffect>
-                                  </p:childTnLst>
-                                </p:cTn>
-                              </p:par>
-                            </p:childTnLst>
-                          </p:cTn>
-                        </p:par>
-                        <p:par>
-                          <p:cTn id="21" fill="hold">
-                            <p:stCondLst>
-                              <p:cond delay="4000"/>
-                            </p:stCondLst>
-                            <p:childTnLst>
-                              <p:par>
-                                <p:cTn id="22" presetID="1" presetClass="entr" presetSubtype="0" fill="hold" nodeType="afterEffect">
-                                  <p:stCondLst>
-                                    <p:cond delay="0"/>
-                                  </p:stCondLst>
-                                  <p:childTnLst>
-                                    <p:set>
-                                      <p:cBhvr>
-                                        <p:cTn id="23" dur="1" fill="hold">
-                                          <p:stCondLst>
-                                            <p:cond delay="999"/>
-                                          </p:stCondLst>
-                                        </p:cTn>
-                                        <p:tgtEl>
-                                          <p:spTgt spid="21"/>
-                                        </p:tgtEl>
-                                        <p:attrNameLst>
-                                          <p:attrName>style.visibility</p:attrName>
-                                        </p:attrNameLst>
-                                      </p:cBhvr>
-                                      <p:to>
-                                        <p:strVal val="visible"/>
-                                      </p:to>
-                                    </p:set>
-                                  </p:childTnLst>
-                                </p:cTn>
-                              </p:par>
-                            </p:childTnLst>
-                          </p:cTn>
-                        </p:par>
-                        <p:par>
-                          <p:cTn id="24" fill="hold">
-                            <p:stCondLst>
-                              <p:cond delay="5000"/>
-                            </p:stCondLst>
-                            <p:childTnLst>
-                              <p:par>
-                                <p:cTn id="25" presetID="22" presetClass="entr" presetSubtype="2" fill="hold" nodeType="afterEffect">
-                                  <p:stCondLst>
-                                    <p:cond delay="1000"/>
-                                  </p:stCondLst>
-                                  <p:childTnLst>
-                                    <p:set>
-                                      <p:cBhvr>
-                                        <p:cTn id="26" dur="1" fill="hold">
-                                          <p:stCondLst>
-                                            <p:cond delay="0"/>
-                                          </p:stCondLst>
-                                        </p:cTn>
-                                        <p:tgtEl>
-                                          <p:spTgt spid="4"/>
-                                        </p:tgtEl>
-                                        <p:attrNameLst>
-                                          <p:attrName>style.visibility</p:attrName>
-                                        </p:attrNameLst>
-                                      </p:cBhvr>
-                                      <p:to>
-                                        <p:strVal val="visible"/>
-                                      </p:to>
-                                    </p:set>
-                                    <p:animEffect transition="in" filter="wipe(right)">
-                                      <p:cBhvr>
-                                        <p:cTn id="27" dur="500"/>
-                                        <p:tgtEl>
-                                          <p:spTgt spid="4"/>
-                                        </p:tgtEl>
-                                      </p:cBhvr>
-                                    </p:animEffect>
-                                  </p:childTnLst>
-                                </p:cTn>
-                              </p:par>
-                            </p:childTnLst>
-                          </p:cTn>
-                        </p:par>
-                        <p:par>
-                          <p:cTn id="28" fill="hold">
-                            <p:stCondLst>
-                              <p:cond delay="6500"/>
-                            </p:stCondLst>
-                            <p:childTnLst>
-                              <p:par>
-                                <p:cTn id="29" presetID="1" presetClass="entr" presetSubtype="0" fill="hold" nodeType="afterEffect">
-                                  <p:stCondLst>
-                                    <p:cond delay="0"/>
-                                  </p:stCondLst>
-                                  <p:childTnLst>
-                                    <p:set>
-                                      <p:cBhvr>
-                                        <p:cTn id="30" dur="1" fill="hold">
-                                          <p:stCondLst>
-                                            <p:cond delay="999"/>
-                                          </p:stCondLst>
-                                        </p:cTn>
-                                        <p:tgtEl>
-                                          <p:spTgt spid="27"/>
-                                        </p:tgtEl>
-                                        <p:attrNameLst>
-                                          <p:attrName>style.visibility</p:attrName>
-                                        </p:attrNameLst>
-                                      </p:cBhvr>
-                                      <p:to>
-                                        <p:strVal val="visible"/>
-                                      </p:to>
-                                    </p:set>
-                                  </p:childTnLst>
-                                </p:cTn>
-                              </p:par>
-                            </p:childTnLst>
-                          </p:cTn>
-                        </p:par>
-                        <p:par>
-                          <p:cTn id="31" fill="hold">
-                            <p:stCondLst>
-                              <p:cond delay="7500"/>
-                            </p:stCondLst>
-                            <p:childTnLst>
-                              <p:par>
-                                <p:cTn id="32" presetID="22" presetClass="entr" presetSubtype="8" fill="hold" nodeType="afterEffect">
-                                  <p:stCondLst>
-                                    <p:cond delay="1000"/>
-                                  </p:stCondLst>
-                                  <p:childTnLst>
-                                    <p:set>
-                                      <p:cBhvr>
-                                        <p:cTn id="33" dur="1" fill="hold">
-                                          <p:stCondLst>
-                                            <p:cond delay="0"/>
-                                          </p:stCondLst>
-                                        </p:cTn>
-                                        <p:tgtEl>
-                                          <p:spTgt spid="6"/>
-                                        </p:tgtEl>
-                                        <p:attrNameLst>
-                                          <p:attrName>style.visibility</p:attrName>
-                                        </p:attrNameLst>
-                                      </p:cBhvr>
-                                      <p:to>
-                                        <p:strVal val="visible"/>
-                                      </p:to>
-                                    </p:set>
-                                    <p:animEffect transition="in" filter="wipe(left)">
-                                      <p:cBhvr>
-                                        <p:cTn id="34" dur="500"/>
-                                        <p:tgtEl>
-                                          <p:spTgt spid="6"/>
-                                        </p:tgtEl>
-                                      </p:cBhvr>
-                                    </p:animEffect>
-                                  </p:childTnLst>
-                                </p:cTn>
-                              </p:par>
-                            </p:childTnLst>
-                          </p:cTn>
-                        </p:par>
-                      </p:childTnLst>
-                    </p:cTn>
-                  </p:par>
-                </p:childTnLst>
-              </p:cTn>
-              <p:prevCondLst>
-                <p:cond evt="onPrev" delay="0">
-                  <p:tgtEl>
-                    <p:sldTgt/>
-                  </p:tgtEl>
-                </p:cond>
-              </p:prevCondLst>
-              <p:nextCondLst>
-                <p:cond evt="onNext" delay="0">
-                  <p:tgtEl>
-                    <p:sldTgt/>
-                  </p:tgtEl>
-                </p:cond>
-              </p:nextCondLst>
-            </p:seq>
-          </p:childTnLst>
-        </p:cTn>
+        <p:cTn id="1" dur="indefinite" restart="never" nodeType="tmRoot"/>
       </p:par>
     </p:tnLst>
   </p:timing>
@@ -10571,6 +9946,13 @@
   <p:clrMapOvr>
     <a:masterClrMapping/>
   </p:clrMapOvr>
+  <p:timing>
+    <p:tnLst>
+      <p:par>
+        <p:cTn id="1" dur="indefinite" restart="never" nodeType="tmRoot"/>
+      </p:par>
+    </p:tnLst>
+  </p:timing>
 </p:sld>
 </file>
 
@@ -10625,7 +10007,7 @@
                 <a:ea typeface="微軟正黑體" pitchFamily="34" charset="-120"/>
                 <a:cs typeface="Arial" pitchFamily="34" charset="0"/>
               </a:rPr>
-              <a:t>以上報告</a:t>
+              <a:t>以上說明</a:t>
             </a:r>
             <a:endParaRPr lang="zh-TW" altLang="en-US" sz="4400" b="1" dirty="0">
               <a:solidFill>
